--- a/events/2022-03-16/slides/discussion.pptx
+++ b/events/2022-03-16/slides/discussion.pptx
@@ -10,10 +10,10 @@
   <p:sldIdLst>
     <p:sldId id="256" r:id="rId2"/>
     <p:sldId id="383" r:id="rId3"/>
-    <p:sldId id="386" r:id="rId4"/>
+    <p:sldId id="387" r:id="rId4"/>
     <p:sldId id="373" r:id="rId5"/>
     <p:sldId id="384" r:id="rId6"/>
-    <p:sldId id="370" r:id="rId7"/>
+    <p:sldId id="388" r:id="rId7"/>
     <p:sldId id="385" r:id="rId8"/>
   </p:sldIdLst>
   <p:sldSz cx="9144000" cy="6858000" type="screen4x3"/>
@@ -241,7 +241,7 @@
             <a:fld id="{35305EB0-020F-4995-961E-A35B2BB78D2B}" type="datetimeFigureOut">
               <a:rPr kumimoji="1" lang="ja-JP" altLang="en-US" smtClean="0"/>
               <a:pPr/>
-              <a:t>2022/3/14</a:t>
+              <a:t>2022/3/15</a:t>
             </a:fld>
             <a:endParaRPr kumimoji="1" lang="ja-JP" altLang="en-US"/>
           </a:p>
@@ -53361,20 +53361,31 @@
           <a:p>
             <a:pPr lvl="1"/>
             <a:r>
-              <a:rPr lang="en-US" altLang="ja-JP" sz="2400" dirty="0">
+              <a:rPr lang="en-US" altLang="ja-JP" sz="2000" dirty="0">
                 <a:hlinkClick r:id="rId3"/>
               </a:rPr>
-              <a:t>https://app.one.learnwiz.jp/topic/utelecon20220316-discussion</a:t>
+              <a:t>https://app.one.learnwiz.jp/topic/utelecon</a:t>
+            </a:r>
+            <a:br>
+              <a:rPr lang="en-US" altLang="ja-JP" sz="2000" dirty="0">
+                <a:hlinkClick r:id="rId3"/>
+              </a:rPr>
+            </a:br>
+            <a:r>
+              <a:rPr lang="en-US" altLang="ja-JP" sz="2000" dirty="0">
+                <a:hlinkClick r:id="rId3"/>
+              </a:rPr>
+              <a:t>20220316-discussion</a:t>
             </a:r>
             <a:r>
-              <a:rPr lang="en-US" altLang="ja-JP" sz="2400" dirty="0"/>
+              <a:rPr lang="en-US" altLang="ja-JP" sz="2000" dirty="0"/>
               <a:t> </a:t>
             </a:r>
             <a:r>
-              <a:rPr lang="ja-JP" altLang="en-US" sz="2400"/>
+              <a:rPr lang="ja-JP" altLang="en-US" sz="2000"/>
               <a:t>にアクセスしてください</a:t>
             </a:r>
-            <a:endParaRPr lang="en-US" altLang="ja-JP" sz="2400" dirty="0"/>
+            <a:endParaRPr lang="en-US" altLang="ja-JP" sz="2000" dirty="0"/>
           </a:p>
           <a:p>
             <a:pPr lvl="1"/>
@@ -53448,10 +53459,46 @@
           </a:p>
         </p:txBody>
       </p:sp>
+      <p:pic>
+        <p:nvPicPr>
+          <p:cNvPr id="7" name="図 6" descr="QR コード&#10;&#10;自動的に生成された説明">
+            <a:extLst>
+              <a:ext uri="{FF2B5EF4-FFF2-40B4-BE49-F238E27FC236}">
+                <a16:creationId xmlns:a16="http://schemas.microsoft.com/office/drawing/2014/main" id="{05F2DDB5-67F7-B34A-935E-24BF55410D07}"/>
+              </a:ext>
+            </a:extLst>
+          </p:cNvPr>
+          <p:cNvPicPr>
+            <a:picLocks noChangeAspect="1"/>
+          </p:cNvPicPr>
+          <p:nvPr/>
+        </p:nvPicPr>
+        <p:blipFill>
+          <a:blip r:embed="rId4">
+            <a:extLst>
+              <a:ext uri="{28A0092B-C50C-407E-A947-70E740481C1C}">
+                <a14:useLocalDpi xmlns:a14="http://schemas.microsoft.com/office/drawing/2010/main" val="0"/>
+              </a:ext>
+            </a:extLst>
+          </a:blip>
+          <a:stretch>
+            <a:fillRect/>
+          </a:stretch>
+        </p:blipFill>
+        <p:spPr>
+          <a:xfrm>
+            <a:off x="7164288" y="4913312"/>
+            <a:ext cx="1625600" cy="1625600"/>
+          </a:xfrm>
+          <a:prstGeom prst="rect">
+            <a:avLst/>
+          </a:prstGeom>
+        </p:spPr>
+      </p:pic>
     </p:spTree>
     <p:extLst>
       <p:ext uri="{BB962C8B-B14F-4D97-AF65-F5344CB8AC3E}">
-        <p14:creationId xmlns:p14="http://schemas.microsoft.com/office/powerpoint/2010/main" val="3255393428"/>
+        <p14:creationId xmlns:p14="http://schemas.microsoft.com/office/powerpoint/2010/main" val="2880589225"/>
       </p:ext>
     </p:extLst>
   </p:cSld>
@@ -54610,40 +54657,7 @@
                   </a:schemeClr>
                 </a:solidFill>
               </a:rPr>
-              <a:t>（一人）意見交換用の</a:t>
-            </a:r>
-            <a:r>
-              <a:rPr lang="en-US" altLang="ja-JP" dirty="0" err="1">
-                <a:solidFill>
-                  <a:schemeClr val="tx1">
-                    <a:lumMod val="65000"/>
-                    <a:lumOff val="35000"/>
-                  </a:schemeClr>
-                </a:solidFill>
-              </a:rPr>
-              <a:t>LearnWiz</a:t>
-            </a:r>
-            <a:r>
-              <a:rPr lang="en-US" altLang="ja-JP" dirty="0">
-                <a:solidFill>
-                  <a:schemeClr val="tx1">
-                    <a:lumMod val="65000"/>
-                    <a:lumOff val="35000"/>
-                  </a:schemeClr>
-                </a:solidFill>
-              </a:rPr>
-              <a:t> One</a:t>
-            </a:r>
-            <a:r>
-              <a:rPr lang="ja-JP" altLang="en-US">
-                <a:solidFill>
-                  <a:schemeClr val="tx1">
-                    <a:lumMod val="65000"/>
-                    <a:lumOff val="35000"/>
-                  </a:schemeClr>
-                </a:solidFill>
-              </a:rPr>
-              <a:t>に投稿</a:t>
+              <a:t>（一人）自分の投稿を送信</a:t>
             </a:r>
             <a:endParaRPr lang="en-US" altLang="ja-JP" dirty="0">
               <a:solidFill>
@@ -54751,10 +54765,46 @@
           </a:p>
         </p:txBody>
       </p:sp>
+      <p:pic>
+        <p:nvPicPr>
+          <p:cNvPr id="6" name="図 5" descr="QR コード&#10;&#10;自動的に生成された説明">
+            <a:extLst>
+              <a:ext uri="{FF2B5EF4-FFF2-40B4-BE49-F238E27FC236}">
+                <a16:creationId xmlns:a16="http://schemas.microsoft.com/office/drawing/2014/main" id="{EF7B238E-1618-D044-9413-33ABE32001F6}"/>
+              </a:ext>
+            </a:extLst>
+          </p:cNvPr>
+          <p:cNvPicPr>
+            <a:picLocks noChangeAspect="1"/>
+          </p:cNvPicPr>
+          <p:nvPr/>
+        </p:nvPicPr>
+        <p:blipFill>
+          <a:blip r:embed="rId3">
+            <a:extLst>
+              <a:ext uri="{28A0092B-C50C-407E-A947-70E740481C1C}">
+                <a14:useLocalDpi xmlns:a14="http://schemas.microsoft.com/office/drawing/2010/main" val="0"/>
+              </a:ext>
+            </a:extLst>
+          </a:blip>
+          <a:stretch>
+            <a:fillRect/>
+          </a:stretch>
+        </p:blipFill>
+        <p:spPr>
+          <a:xfrm>
+            <a:off x="7164288" y="4913312"/>
+            <a:ext cx="1625600" cy="1625600"/>
+          </a:xfrm>
+          <a:prstGeom prst="rect">
+            <a:avLst/>
+          </a:prstGeom>
+        </p:spPr>
+      </p:pic>
     </p:spTree>
     <p:extLst>
       <p:ext uri="{BB962C8B-B14F-4D97-AF65-F5344CB8AC3E}">
-        <p14:creationId xmlns:p14="http://schemas.microsoft.com/office/powerpoint/2010/main" val="2558834501"/>
+        <p14:creationId xmlns:p14="http://schemas.microsoft.com/office/powerpoint/2010/main" val="2263289536"/>
       </p:ext>
     </p:extLst>
   </p:cSld>
